--- a/GeNetwork_Scheme.pptx
+++ b/GeNetwork_Scheme.pptx
@@ -7,12 +7,13 @@
   <p:sldIdLst>
     <p:sldId id="256" r:id="rId2"/>
     <p:sldId id="257" r:id="rId3"/>
-    <p:sldId id="258" r:id="rId4"/>
-    <p:sldId id="259" r:id="rId5"/>
-    <p:sldId id="260" r:id="rId6"/>
-    <p:sldId id="261" r:id="rId7"/>
-    <p:sldId id="262" r:id="rId8"/>
-    <p:sldId id="263" r:id="rId9"/>
+    <p:sldId id="259" r:id="rId4"/>
+    <p:sldId id="260" r:id="rId5"/>
+    <p:sldId id="261" r:id="rId6"/>
+    <p:sldId id="262" r:id="rId7"/>
+    <p:sldId id="264" r:id="rId8"/>
+    <p:sldId id="265" r:id="rId9"/>
+    <p:sldId id="266" r:id="rId10"/>
   </p:sldIdLst>
   <p:sldSz cx="12192000" cy="6858000"/>
   <p:notesSz cx="6858000" cy="9144000"/>
@@ -1047,7 +1048,7 @@
           <a:p>
             <a:fld id="{577A858B-05DC-4894-8DDD-AF1319098239}" type="datetimeFigureOut">
               <a:rPr lang="ko-KR" altLang="en-US" smtClean="0"/>
-              <a:t>2025-08-06</a:t>
+              <a:t>2025-08-13</a:t>
             </a:fld>
             <a:endParaRPr lang="ko-KR" altLang="en-US"/>
           </a:p>
@@ -1245,7 +1246,7 @@
           <a:p>
             <a:fld id="{577A858B-05DC-4894-8DDD-AF1319098239}" type="datetimeFigureOut">
               <a:rPr lang="ko-KR" altLang="en-US" smtClean="0"/>
-              <a:t>2025-08-06</a:t>
+              <a:t>2025-08-13</a:t>
             </a:fld>
             <a:endParaRPr lang="ko-KR" altLang="en-US"/>
           </a:p>
@@ -1453,7 +1454,7 @@
           <a:p>
             <a:fld id="{577A858B-05DC-4894-8DDD-AF1319098239}" type="datetimeFigureOut">
               <a:rPr lang="ko-KR" altLang="en-US" smtClean="0"/>
-              <a:t>2025-08-06</a:t>
+              <a:t>2025-08-13</a:t>
             </a:fld>
             <a:endParaRPr lang="ko-KR" altLang="en-US"/>
           </a:p>
@@ -1651,7 +1652,7 @@
           <a:p>
             <a:fld id="{577A858B-05DC-4894-8DDD-AF1319098239}" type="datetimeFigureOut">
               <a:rPr lang="ko-KR" altLang="en-US" smtClean="0"/>
-              <a:t>2025-08-06</a:t>
+              <a:t>2025-08-13</a:t>
             </a:fld>
             <a:endParaRPr lang="ko-KR" altLang="en-US"/>
           </a:p>
@@ -1926,7 +1927,7 @@
           <a:p>
             <a:fld id="{577A858B-05DC-4894-8DDD-AF1319098239}" type="datetimeFigureOut">
               <a:rPr lang="ko-KR" altLang="en-US" smtClean="0"/>
-              <a:t>2025-08-06</a:t>
+              <a:t>2025-08-13</a:t>
             </a:fld>
             <a:endParaRPr lang="ko-KR" altLang="en-US"/>
           </a:p>
@@ -2191,7 +2192,7 @@
           <a:p>
             <a:fld id="{577A858B-05DC-4894-8DDD-AF1319098239}" type="datetimeFigureOut">
               <a:rPr lang="ko-KR" altLang="en-US" smtClean="0"/>
-              <a:t>2025-08-06</a:t>
+              <a:t>2025-08-13</a:t>
             </a:fld>
             <a:endParaRPr lang="ko-KR" altLang="en-US"/>
           </a:p>
@@ -2603,7 +2604,7 @@
           <a:p>
             <a:fld id="{577A858B-05DC-4894-8DDD-AF1319098239}" type="datetimeFigureOut">
               <a:rPr lang="ko-KR" altLang="en-US" smtClean="0"/>
-              <a:t>2025-08-06</a:t>
+              <a:t>2025-08-13</a:t>
             </a:fld>
             <a:endParaRPr lang="ko-KR" altLang="en-US"/>
           </a:p>
@@ -2744,7 +2745,7 @@
           <a:p>
             <a:fld id="{577A858B-05DC-4894-8DDD-AF1319098239}" type="datetimeFigureOut">
               <a:rPr lang="ko-KR" altLang="en-US" smtClean="0"/>
-              <a:t>2025-08-06</a:t>
+              <a:t>2025-08-13</a:t>
             </a:fld>
             <a:endParaRPr lang="ko-KR" altLang="en-US"/>
           </a:p>
@@ -2857,7 +2858,7 @@
           <a:p>
             <a:fld id="{577A858B-05DC-4894-8DDD-AF1319098239}" type="datetimeFigureOut">
               <a:rPr lang="ko-KR" altLang="en-US" smtClean="0"/>
-              <a:t>2025-08-06</a:t>
+              <a:t>2025-08-13</a:t>
             </a:fld>
             <a:endParaRPr lang="ko-KR" altLang="en-US"/>
           </a:p>
@@ -3168,7 +3169,7 @@
           <a:p>
             <a:fld id="{577A858B-05DC-4894-8DDD-AF1319098239}" type="datetimeFigureOut">
               <a:rPr lang="ko-KR" altLang="en-US" smtClean="0"/>
-              <a:t>2025-08-06</a:t>
+              <a:t>2025-08-13</a:t>
             </a:fld>
             <a:endParaRPr lang="ko-KR" altLang="en-US"/>
           </a:p>
@@ -3456,7 +3457,7 @@
           <a:p>
             <a:fld id="{577A858B-05DC-4894-8DDD-AF1319098239}" type="datetimeFigureOut">
               <a:rPr lang="ko-KR" altLang="en-US" smtClean="0"/>
-              <a:t>2025-08-06</a:t>
+              <a:t>2025-08-13</a:t>
             </a:fld>
             <a:endParaRPr lang="ko-KR" altLang="en-US"/>
           </a:p>
@@ -3697,7 +3698,7 @@
           <a:p>
             <a:fld id="{577A858B-05DC-4894-8DDD-AF1319098239}" type="datetimeFigureOut">
               <a:rPr lang="ko-KR" altLang="en-US" smtClean="0"/>
-              <a:t>2025-08-06</a:t>
+              <a:t>2025-08-13</a:t>
             </a:fld>
             <a:endParaRPr lang="ko-KR" altLang="en-US"/>
           </a:p>
@@ -4136,14 +4137,6 @@
           <a:lstStyle/>
           <a:p>
             <a:r>
-              <a:rPr lang="ko-KR" altLang="en-US" dirty="0"/>
-              <a:t>프로젝트명</a:t>
-            </a:r>
-            <a:r>
-              <a:rPr lang="en-US" altLang="ko-KR" dirty="0"/>
-              <a:t>: </a:t>
-            </a:r>
-            <a:r>
               <a:rPr lang="en-US" altLang="ko-KR" dirty="0" err="1"/>
               <a:t>GeNetwork</a:t>
             </a:r>
@@ -4174,6 +4167,14 @@
           <a:p>
             <a:r>
               <a:rPr lang="ko-KR" altLang="en-US" dirty="0"/>
+              <a:t>생명과학과 </a:t>
+            </a:r>
+            <a:r>
+              <a:rPr lang="en-US" altLang="ko-KR" dirty="0"/>
+              <a:t>20210109 </a:t>
+            </a:r>
+            <a:r>
+              <a:rPr lang="ko-KR" altLang="en-US" dirty="0"/>
               <a:t>이민우</a:t>
             </a:r>
             <a:endParaRPr lang="en-US" altLang="ko-KR" dirty="0"/>
@@ -4181,8 +4182,17 @@
           <a:p>
             <a:r>
               <a:rPr lang="ko-KR" altLang="en-US" dirty="0"/>
+              <a:t>생명과학과 </a:t>
+            </a:r>
+            <a:r>
+              <a:rPr lang="en-US" altLang="ko-KR" dirty="0"/>
+              <a:t>20216565 </a:t>
+            </a:r>
+            <a:r>
+              <a:rPr lang="ko-KR" altLang="en-US" dirty="0" err="1"/>
               <a:t>민지홍</a:t>
             </a:r>
+            <a:endParaRPr lang="ko-KR" altLang="en-US" dirty="0"/>
           </a:p>
         </p:txBody>
       </p:sp>
@@ -4260,17 +4270,36 @@
             <p:ph idx="1"/>
           </p:nvPr>
         </p:nvSpPr>
-        <p:spPr/>
+        <p:spPr>
+          <a:xfrm>
+            <a:off x="415480" y="1834507"/>
+            <a:ext cx="4851400" cy="4351338"/>
+          </a:xfrm>
+        </p:spPr>
         <p:txBody>
           <a:bodyPr>
-            <a:normAutofit lnSpcReduction="10000"/>
+            <a:normAutofit fontScale="70000" lnSpcReduction="20000"/>
           </a:bodyPr>
           <a:lstStyle/>
           <a:p>
+            <a:pPr>
+              <a:lnSpc>
+                <a:spcPct val="120000"/>
+              </a:lnSpc>
+            </a:pPr>
             <a:r>
               <a:rPr lang="ko-KR" altLang="en-US" dirty="0"/>
               <a:t>사용자가 제시한 선행연구 </a:t>
             </a:r>
+            <a:endParaRPr lang="en-US" altLang="ko-KR" dirty="0"/>
+          </a:p>
+          <a:p>
+            <a:pPr marL="0" indent="0">
+              <a:lnSpc>
+                <a:spcPct val="120000"/>
+              </a:lnSpc>
+              <a:buNone/>
+            </a:pPr>
             <a:r>
               <a:rPr lang="en-US" altLang="ko-KR" dirty="0">
                 <a:sym typeface="Wingdings" panose="05000000000000000000" pitchFamily="2" charset="2"/>
@@ -4281,77 +4310,33 @@
               <a:rPr lang="ko-KR" altLang="en-US" dirty="0">
                 <a:sym typeface="Wingdings" panose="05000000000000000000" pitchFamily="2" charset="2"/>
               </a:rPr>
-              <a:t>유전자</a:t>
-            </a:r>
-            <a:r>
-              <a:rPr lang="en-US" altLang="ko-KR" dirty="0">
-                <a:sym typeface="Wingdings" panose="05000000000000000000" pitchFamily="2" charset="2"/>
-              </a:rPr>
-              <a:t>/</a:t>
-            </a:r>
+              <a:t>유전자 언급 빈도를 이용해 중요도 순으로 나열</a:t>
+            </a:r>
+            <a:endParaRPr lang="en-US" altLang="ko-KR" dirty="0">
+              <a:sym typeface="Wingdings" panose="05000000000000000000" pitchFamily="2" charset="2"/>
+            </a:endParaRPr>
+          </a:p>
+          <a:p>
+            <a:pPr>
+              <a:lnSpc>
+                <a:spcPct val="120000"/>
+              </a:lnSpc>
+            </a:pPr>
+            <a:endParaRPr lang="en-US" altLang="ko-KR" dirty="0">
+              <a:sym typeface="Wingdings" panose="05000000000000000000" pitchFamily="2" charset="2"/>
+            </a:endParaRPr>
+          </a:p>
+          <a:p>
+            <a:pPr>
+              <a:lnSpc>
+                <a:spcPct val="120000"/>
+              </a:lnSpc>
+            </a:pPr>
             <a:r>
               <a:rPr lang="ko-KR" altLang="en-US" dirty="0">
                 <a:sym typeface="Wingdings" panose="05000000000000000000" pitchFamily="2" charset="2"/>
               </a:rPr>
-              <a:t>단백질 언급 빈도를 이용해 중요도 순으로 나열</a:t>
-            </a:r>
-            <a:endParaRPr lang="en-US" altLang="ko-KR" dirty="0">
-              <a:sym typeface="Wingdings" panose="05000000000000000000" pitchFamily="2" charset="2"/>
-            </a:endParaRPr>
-          </a:p>
-          <a:p>
-            <a:endParaRPr lang="en-US" altLang="ko-KR" dirty="0">
-              <a:sym typeface="Wingdings" panose="05000000000000000000" pitchFamily="2" charset="2"/>
-            </a:endParaRPr>
-          </a:p>
-          <a:p>
-            <a:r>
-              <a:rPr lang="en-US" altLang="ko-KR" dirty="0">
-                <a:sym typeface="Wingdings" panose="05000000000000000000" pitchFamily="2" charset="2"/>
-              </a:rPr>
-              <a:t>NCBI </a:t>
-            </a:r>
-            <a:r>
-              <a:rPr lang="ko-KR" altLang="en-US" dirty="0">
-                <a:sym typeface="Wingdings" panose="05000000000000000000" pitchFamily="2" charset="2"/>
-              </a:rPr>
-              <a:t>데이터를 기반으로 </a:t>
-            </a:r>
-            <a:r>
-              <a:rPr lang="en-US" altLang="ko-KR" dirty="0">
-                <a:sym typeface="Wingdings" panose="05000000000000000000" pitchFamily="2" charset="2"/>
-              </a:rPr>
-              <a:t>(</a:t>
-            </a:r>
-            <a:r>
-              <a:rPr lang="ko-KR" altLang="en-US" dirty="0">
-                <a:sym typeface="Wingdings" panose="05000000000000000000" pitchFamily="2" charset="2"/>
-              </a:rPr>
-              <a:t>자주</a:t>
-            </a:r>
-            <a:r>
-              <a:rPr lang="en-US" altLang="ko-KR" dirty="0">
-                <a:sym typeface="Wingdings" panose="05000000000000000000" pitchFamily="2" charset="2"/>
-              </a:rPr>
-              <a:t>) </a:t>
-            </a:r>
-            <a:r>
-              <a:rPr lang="ko-KR" altLang="en-US" dirty="0">
-                <a:sym typeface="Wingdings" panose="05000000000000000000" pitchFamily="2" charset="2"/>
-              </a:rPr>
-              <a:t>언급된 유전자</a:t>
-            </a:r>
-            <a:r>
-              <a:rPr lang="en-US" altLang="ko-KR" dirty="0">
-                <a:sym typeface="Wingdings" panose="05000000000000000000" pitchFamily="2" charset="2"/>
-              </a:rPr>
-              <a:t>/</a:t>
-            </a:r>
-            <a:r>
-              <a:rPr lang="ko-KR" altLang="en-US" dirty="0">
-                <a:sym typeface="Wingdings" panose="05000000000000000000" pitchFamily="2" charset="2"/>
-              </a:rPr>
-              <a:t>단백질과 관련된 </a:t>
+              <a:t>유전자와 관련된 </a:t>
             </a:r>
             <a:r>
               <a:rPr lang="en-US" altLang="ko-KR" dirty="0">
@@ -4370,11 +4355,21 @@
             </a:endParaRPr>
           </a:p>
           <a:p>
+            <a:pPr>
+              <a:lnSpc>
+                <a:spcPct val="120000"/>
+              </a:lnSpc>
+            </a:pPr>
             <a:endParaRPr lang="en-US" altLang="ko-KR" dirty="0">
               <a:sym typeface="Wingdings" panose="05000000000000000000" pitchFamily="2" charset="2"/>
             </a:endParaRPr>
           </a:p>
           <a:p>
+            <a:pPr>
+              <a:lnSpc>
+                <a:spcPct val="120000"/>
+              </a:lnSpc>
+            </a:pPr>
             <a:r>
               <a:rPr lang="ko-KR" altLang="en-US" dirty="0">
                 <a:sym typeface="Wingdings" panose="05000000000000000000" pitchFamily="2" charset="2"/>
@@ -4410,11 +4405,21 @@
             </a:endParaRPr>
           </a:p>
           <a:p>
+            <a:pPr>
+              <a:lnSpc>
+                <a:spcPct val="120000"/>
+              </a:lnSpc>
+            </a:pPr>
             <a:endParaRPr lang="en-US" altLang="ko-KR" dirty="0">
               <a:sym typeface="Wingdings" panose="05000000000000000000" pitchFamily="2" charset="2"/>
             </a:endParaRPr>
           </a:p>
           <a:p>
+            <a:pPr>
+              <a:lnSpc>
+                <a:spcPct val="120000"/>
+              </a:lnSpc>
+            </a:pPr>
             <a:r>
               <a:rPr lang="ko-KR" altLang="en-US" dirty="0">
                 <a:sym typeface="Wingdings" panose="05000000000000000000" pitchFamily="2" charset="2"/>
@@ -4425,6 +4430,484 @@
           </a:p>
         </p:txBody>
       </p:sp>
+      <p:grpSp>
+        <p:nvGrpSpPr>
+          <p:cNvPr id="7" name="그룹 6">
+            <a:extLst>
+              <a:ext uri="{FF2B5EF4-FFF2-40B4-BE49-F238E27FC236}">
+                <a16:creationId xmlns:a16="http://schemas.microsoft.com/office/drawing/2014/main" id="{F0B1A615-A569-1778-EC5E-9ABACC140DDF}"/>
+              </a:ext>
+            </a:extLst>
+          </p:cNvPr>
+          <p:cNvGrpSpPr/>
+          <p:nvPr/>
+        </p:nvGrpSpPr>
+        <p:grpSpPr>
+          <a:xfrm>
+            <a:off x="5266880" y="1922464"/>
+            <a:ext cx="6509640" cy="3405751"/>
+            <a:chOff x="838200" y="1922464"/>
+            <a:chExt cx="10938320" cy="3956911"/>
+          </a:xfrm>
+        </p:grpSpPr>
+        <p:sp>
+          <p:nvSpPr>
+            <p:cNvPr id="5" name="직사각형 4">
+              <a:extLst>
+                <a:ext uri="{FF2B5EF4-FFF2-40B4-BE49-F238E27FC236}">
+                  <a16:creationId xmlns:a16="http://schemas.microsoft.com/office/drawing/2014/main" id="{C122AB85-6659-C3FA-68A3-23AC0FFC711F}"/>
+                </a:ext>
+              </a:extLst>
+            </p:cNvPr>
+            <p:cNvSpPr/>
+            <p:nvPr/>
+          </p:nvSpPr>
+          <p:spPr>
+            <a:xfrm>
+              <a:off x="5739417" y="2853649"/>
+              <a:ext cx="78658" cy="137652"/>
+            </a:xfrm>
+            <a:prstGeom prst="rect">
+              <a:avLst/>
+            </a:prstGeom>
+            <a:solidFill>
+              <a:srgbClr val="FFFFFF"/>
+            </a:solidFill>
+            <a:ln>
+              <a:noFill/>
+            </a:ln>
+          </p:spPr>
+          <p:style>
+            <a:lnRef idx="2">
+              <a:schemeClr val="accent1">
+                <a:shade val="15000"/>
+              </a:schemeClr>
+            </a:lnRef>
+            <a:fillRef idx="1">
+              <a:schemeClr val="accent1"/>
+            </a:fillRef>
+            <a:effectRef idx="0">
+              <a:schemeClr val="accent1"/>
+            </a:effectRef>
+            <a:fontRef idx="minor">
+              <a:schemeClr val="lt1"/>
+            </a:fontRef>
+          </p:style>
+          <p:txBody>
+            <a:bodyPr rtlCol="0" anchor="ctr"/>
+            <a:lstStyle/>
+            <a:p>
+              <a:pPr algn="ctr"/>
+              <a:endParaRPr lang="ko-KR" altLang="en-US"/>
+            </a:p>
+          </p:txBody>
+        </p:sp>
+        <p:sp>
+          <p:nvSpPr>
+            <p:cNvPr id="4" name="사각형: 둥근 모서리 3">
+              <a:extLst>
+                <a:ext uri="{FF2B5EF4-FFF2-40B4-BE49-F238E27FC236}">
+                  <a16:creationId xmlns:a16="http://schemas.microsoft.com/office/drawing/2014/main" id="{7517068C-CCAF-1AD9-5242-333728187281}"/>
+                </a:ext>
+              </a:extLst>
+            </p:cNvPr>
+            <p:cNvSpPr/>
+            <p:nvPr/>
+          </p:nvSpPr>
+          <p:spPr>
+            <a:xfrm>
+              <a:off x="838200" y="1922464"/>
+              <a:ext cx="2342021" cy="2525311"/>
+            </a:xfrm>
+            <a:prstGeom prst="roundRect">
+              <a:avLst/>
+            </a:prstGeom>
+          </p:spPr>
+          <p:style>
+            <a:lnRef idx="2">
+              <a:schemeClr val="accent1">
+                <a:shade val="15000"/>
+              </a:schemeClr>
+            </a:lnRef>
+            <a:fillRef idx="1">
+              <a:schemeClr val="accent1"/>
+            </a:fillRef>
+            <a:effectRef idx="0">
+              <a:schemeClr val="accent1"/>
+            </a:effectRef>
+            <a:fontRef idx="minor">
+              <a:schemeClr val="lt1"/>
+            </a:fontRef>
+          </p:style>
+          <p:txBody>
+            <a:bodyPr rtlCol="0" anchor="ctr"/>
+            <a:lstStyle/>
+            <a:p>
+              <a:pPr algn="ctr"/>
+              <a:r>
+                <a:rPr lang="ko-KR" altLang="en-US" sz="2400" b="1" dirty="0"/>
+                <a:t>사용자</a:t>
+              </a:r>
+            </a:p>
+          </p:txBody>
+        </p:sp>
+        <p:sp>
+          <p:nvSpPr>
+            <p:cNvPr id="6" name="사각형: 둥근 모서리 5">
+              <a:extLst>
+                <a:ext uri="{FF2B5EF4-FFF2-40B4-BE49-F238E27FC236}">
+                  <a16:creationId xmlns:a16="http://schemas.microsoft.com/office/drawing/2014/main" id="{EEFA8A04-F440-B6CD-D4B0-270D22D7D208}"/>
+                </a:ext>
+              </a:extLst>
+            </p:cNvPr>
+            <p:cNvSpPr/>
+            <p:nvPr/>
+          </p:nvSpPr>
+          <p:spPr>
+            <a:xfrm>
+              <a:off x="5156460" y="1928815"/>
+              <a:ext cx="2342021" cy="2525311"/>
+            </a:xfrm>
+            <a:prstGeom prst="roundRect">
+              <a:avLst/>
+            </a:prstGeom>
+          </p:spPr>
+          <p:style>
+            <a:lnRef idx="2">
+              <a:schemeClr val="accent1">
+                <a:shade val="15000"/>
+              </a:schemeClr>
+            </a:lnRef>
+            <a:fillRef idx="1">
+              <a:schemeClr val="accent1"/>
+            </a:fillRef>
+            <a:effectRef idx="0">
+              <a:schemeClr val="accent1"/>
+            </a:effectRef>
+            <a:fontRef idx="minor">
+              <a:schemeClr val="lt1"/>
+            </a:fontRef>
+          </p:style>
+          <p:txBody>
+            <a:bodyPr rtlCol="0" anchor="ctr"/>
+            <a:lstStyle/>
+            <a:p>
+              <a:pPr algn="ctr"/>
+              <a:r>
+                <a:rPr lang="en-US" altLang="ko-KR" b="1" dirty="0"/>
+                <a:t>Genet-</a:t>
+              </a:r>
+            </a:p>
+            <a:p>
+              <a:pPr algn="ctr"/>
+              <a:r>
+                <a:rPr lang="en-US" altLang="ko-KR" b="1" dirty="0"/>
+                <a:t>work</a:t>
+              </a:r>
+              <a:endParaRPr lang="ko-KR" altLang="en-US" b="1" dirty="0"/>
+            </a:p>
+          </p:txBody>
+        </p:sp>
+        <p:cxnSp>
+          <p:nvCxnSpPr>
+            <p:cNvPr id="8" name="직선 화살표 연결선 7">
+              <a:extLst>
+                <a:ext uri="{FF2B5EF4-FFF2-40B4-BE49-F238E27FC236}">
+                  <a16:creationId xmlns:a16="http://schemas.microsoft.com/office/drawing/2014/main" id="{BE049A1F-CBFF-5C69-1B7E-CBB6B98EE3CD}"/>
+                </a:ext>
+              </a:extLst>
+            </p:cNvPr>
+            <p:cNvCxnSpPr>
+              <a:cxnSpLocks/>
+              <a:stCxn id="6" idx="3"/>
+              <a:endCxn id="12" idx="1"/>
+            </p:cNvCxnSpPr>
+            <p:nvPr/>
+          </p:nvCxnSpPr>
+          <p:spPr>
+            <a:xfrm flipV="1">
+              <a:off x="7498481" y="3185120"/>
+              <a:ext cx="1936018" cy="6351"/>
+            </a:xfrm>
+            <a:prstGeom prst="straightConnector1">
+              <a:avLst/>
+            </a:prstGeom>
+            <a:ln w="57150">
+              <a:tailEnd type="triangle"/>
+            </a:ln>
+          </p:spPr>
+          <p:style>
+            <a:lnRef idx="2">
+              <a:schemeClr val="accent1"/>
+            </a:lnRef>
+            <a:fillRef idx="0">
+              <a:schemeClr val="accent1"/>
+            </a:fillRef>
+            <a:effectRef idx="1">
+              <a:schemeClr val="accent1"/>
+            </a:effectRef>
+            <a:fontRef idx="minor">
+              <a:schemeClr val="tx1"/>
+            </a:fontRef>
+          </p:style>
+        </p:cxnSp>
+        <p:sp>
+          <p:nvSpPr>
+            <p:cNvPr id="10" name="TextBox 9">
+              <a:extLst>
+                <a:ext uri="{FF2B5EF4-FFF2-40B4-BE49-F238E27FC236}">
+                  <a16:creationId xmlns:a16="http://schemas.microsoft.com/office/drawing/2014/main" id="{7AE26201-2ECC-8DD3-C506-F80B9A6B9DF5}"/>
+                </a:ext>
+              </a:extLst>
+            </p:cNvPr>
+            <p:cNvSpPr txBox="1"/>
+            <p:nvPr/>
+          </p:nvSpPr>
+          <p:spPr>
+            <a:xfrm>
+              <a:off x="7604688" y="2821184"/>
+              <a:ext cx="1834433" cy="357585"/>
+            </a:xfrm>
+            <a:prstGeom prst="rect">
+              <a:avLst/>
+            </a:prstGeom>
+            <a:noFill/>
+          </p:spPr>
+          <p:txBody>
+            <a:bodyPr wrap="square" rtlCol="0">
+              <a:spAutoFit/>
+            </a:bodyPr>
+            <a:lstStyle/>
+            <a:p>
+              <a:r>
+                <a:rPr lang="en-US" altLang="ko-KR" sz="1400" b="1" dirty="0"/>
+                <a:t>GRN </a:t>
+              </a:r>
+              <a:r>
+                <a:rPr lang="ko-KR" altLang="en-US" sz="1400" b="1" dirty="0"/>
+                <a:t>생성</a:t>
+              </a:r>
+            </a:p>
+          </p:txBody>
+        </p:sp>
+        <p:sp>
+          <p:nvSpPr>
+            <p:cNvPr id="12" name="사각형: 둥근 모서리 11">
+              <a:extLst>
+                <a:ext uri="{FF2B5EF4-FFF2-40B4-BE49-F238E27FC236}">
+                  <a16:creationId xmlns:a16="http://schemas.microsoft.com/office/drawing/2014/main" id="{C83BED96-CB2D-3C52-2247-D38FEBE77F4C}"/>
+                </a:ext>
+              </a:extLst>
+            </p:cNvPr>
+            <p:cNvSpPr/>
+            <p:nvPr/>
+          </p:nvSpPr>
+          <p:spPr>
+            <a:xfrm>
+              <a:off x="9434499" y="1922464"/>
+              <a:ext cx="2342021" cy="2525311"/>
+            </a:xfrm>
+            <a:prstGeom prst="roundRect">
+              <a:avLst/>
+            </a:prstGeom>
+          </p:spPr>
+          <p:style>
+            <a:lnRef idx="2">
+              <a:schemeClr val="accent1">
+                <a:shade val="15000"/>
+              </a:schemeClr>
+            </a:lnRef>
+            <a:fillRef idx="1">
+              <a:schemeClr val="accent1"/>
+            </a:fillRef>
+            <a:effectRef idx="0">
+              <a:schemeClr val="accent1"/>
+            </a:effectRef>
+            <a:fontRef idx="minor">
+              <a:schemeClr val="lt1"/>
+            </a:fontRef>
+          </p:style>
+          <p:txBody>
+            <a:bodyPr rtlCol="0" anchor="ctr"/>
+            <a:lstStyle/>
+            <a:p>
+              <a:pPr algn="ctr"/>
+              <a:r>
+                <a:rPr lang="en-US" altLang="ko-KR" sz="2800" b="1" dirty="0"/>
+                <a:t>GRN</a:t>
+              </a:r>
+              <a:endParaRPr lang="ko-KR" altLang="en-US" sz="2800" b="1" dirty="0"/>
+            </a:p>
+          </p:txBody>
+        </p:sp>
+        <p:cxnSp>
+          <p:nvCxnSpPr>
+            <p:cNvPr id="14" name="직선 화살표 연결선 13">
+              <a:extLst>
+                <a:ext uri="{FF2B5EF4-FFF2-40B4-BE49-F238E27FC236}">
+                  <a16:creationId xmlns:a16="http://schemas.microsoft.com/office/drawing/2014/main" id="{CBF8B72B-89A6-C6AE-5C2F-39F157A6B2AE}"/>
+                </a:ext>
+              </a:extLst>
+            </p:cNvPr>
+            <p:cNvCxnSpPr>
+              <a:cxnSpLocks/>
+              <a:stCxn id="4" idx="3"/>
+              <a:endCxn id="6" idx="1"/>
+            </p:cNvCxnSpPr>
+            <p:nvPr/>
+          </p:nvCxnSpPr>
+          <p:spPr>
+            <a:xfrm>
+              <a:off x="3180221" y="3185120"/>
+              <a:ext cx="1976239" cy="6351"/>
+            </a:xfrm>
+            <a:prstGeom prst="straightConnector1">
+              <a:avLst/>
+            </a:prstGeom>
+            <a:ln w="57150">
+              <a:tailEnd type="triangle"/>
+            </a:ln>
+          </p:spPr>
+          <p:style>
+            <a:lnRef idx="2">
+              <a:schemeClr val="accent1"/>
+            </a:lnRef>
+            <a:fillRef idx="0">
+              <a:schemeClr val="accent1"/>
+            </a:fillRef>
+            <a:effectRef idx="1">
+              <a:schemeClr val="accent1"/>
+            </a:effectRef>
+            <a:fontRef idx="minor">
+              <a:schemeClr val="tx1"/>
+            </a:fontRef>
+          </p:style>
+        </p:cxnSp>
+        <p:cxnSp>
+          <p:nvCxnSpPr>
+            <p:cNvPr id="16" name="직선 화살표 연결선 15">
+              <a:extLst>
+                <a:ext uri="{FF2B5EF4-FFF2-40B4-BE49-F238E27FC236}">
+                  <a16:creationId xmlns:a16="http://schemas.microsoft.com/office/drawing/2014/main" id="{A632260A-E994-92FC-9D98-E18C3BCF7E69}"/>
+                </a:ext>
+              </a:extLst>
+            </p:cNvPr>
+            <p:cNvCxnSpPr>
+              <a:cxnSpLocks/>
+              <a:stCxn id="12" idx="2"/>
+              <a:endCxn id="4" idx="2"/>
+            </p:cNvCxnSpPr>
+            <p:nvPr/>
+          </p:nvCxnSpPr>
+          <p:spPr>
+            <a:xfrm rot="5400000">
+              <a:off x="6307361" y="149626"/>
+              <a:ext cx="12700" cy="8596299"/>
+            </a:xfrm>
+            <a:prstGeom prst="curvedConnector3">
+              <a:avLst>
+                <a:gd name="adj1" fmla="val 11400000"/>
+              </a:avLst>
+            </a:prstGeom>
+            <a:ln w="57150">
+              <a:tailEnd type="triangle"/>
+            </a:ln>
+          </p:spPr>
+          <p:style>
+            <a:lnRef idx="2">
+              <a:schemeClr val="accent1"/>
+            </a:lnRef>
+            <a:fillRef idx="0">
+              <a:schemeClr val="accent1"/>
+            </a:fillRef>
+            <a:effectRef idx="1">
+              <a:schemeClr val="accent1"/>
+            </a:effectRef>
+            <a:fontRef idx="minor">
+              <a:schemeClr val="tx1"/>
+            </a:fontRef>
+          </p:style>
+        </p:cxnSp>
+        <p:sp>
+          <p:nvSpPr>
+            <p:cNvPr id="18" name="TextBox 17">
+              <a:extLst>
+                <a:ext uri="{FF2B5EF4-FFF2-40B4-BE49-F238E27FC236}">
+                  <a16:creationId xmlns:a16="http://schemas.microsoft.com/office/drawing/2014/main" id="{25474B31-BD70-252C-5EBB-06D75EBEA5D7}"/>
+                </a:ext>
+              </a:extLst>
+            </p:cNvPr>
+            <p:cNvSpPr txBox="1"/>
+            <p:nvPr/>
+          </p:nvSpPr>
+          <p:spPr>
+            <a:xfrm>
+              <a:off x="3099778" y="2821225"/>
+              <a:ext cx="2422463" cy="357585"/>
+            </a:xfrm>
+            <a:prstGeom prst="rect">
+              <a:avLst/>
+            </a:prstGeom>
+            <a:noFill/>
+          </p:spPr>
+          <p:txBody>
+            <a:bodyPr wrap="square" rtlCol="0">
+              <a:spAutoFit/>
+            </a:bodyPr>
+            <a:lstStyle/>
+            <a:p>
+              <a:r>
+                <a:rPr lang="ko-KR" altLang="en-US" sz="1400" b="1" dirty="0"/>
+                <a:t>기존연구전달</a:t>
+              </a:r>
+            </a:p>
+          </p:txBody>
+        </p:sp>
+        <p:sp>
+          <p:nvSpPr>
+            <p:cNvPr id="19" name="TextBox 18">
+              <a:extLst>
+                <a:ext uri="{FF2B5EF4-FFF2-40B4-BE49-F238E27FC236}">
+                  <a16:creationId xmlns:a16="http://schemas.microsoft.com/office/drawing/2014/main" id="{661933B1-0816-FB58-C554-DEE6B6D1F930}"/>
+                </a:ext>
+              </a:extLst>
+            </p:cNvPr>
+            <p:cNvSpPr txBox="1"/>
+            <p:nvPr/>
+          </p:nvSpPr>
+          <p:spPr>
+            <a:xfrm>
+              <a:off x="4490467" y="5128447"/>
+              <a:ext cx="3674007" cy="750928"/>
+            </a:xfrm>
+            <a:prstGeom prst="rect">
+              <a:avLst/>
+            </a:prstGeom>
+            <a:noFill/>
+          </p:spPr>
+          <p:txBody>
+            <a:bodyPr wrap="square" rtlCol="0">
+              <a:spAutoFit/>
+            </a:bodyPr>
+            <a:lstStyle/>
+            <a:p>
+              <a:pPr algn="ctr"/>
+              <a:r>
+                <a:rPr lang="ko-KR" altLang="en-US" b="1" dirty="0"/>
+                <a:t>인사이트 제공</a:t>
+              </a:r>
+              <a:endParaRPr lang="en-US" altLang="ko-KR" b="1" dirty="0"/>
+            </a:p>
+            <a:p>
+              <a:pPr algn="ctr"/>
+              <a:r>
+                <a:rPr lang="ko-KR" altLang="en-US" b="1" dirty="0"/>
+                <a:t>연구 방향 제안</a:t>
+              </a:r>
+            </a:p>
+          </p:txBody>
+        </p:sp>
+      </p:grpSp>
     </p:spTree>
     <p:extLst>
       <p:ext uri="{BB962C8B-B14F-4D97-AF65-F5344CB8AC3E}">
@@ -4441,14 +4924,6 @@
 <file path=ppt/slides/slide3.xml><?xml version="1.0" encoding="utf-8"?>
 <p:sld xmlns:a="http://schemas.openxmlformats.org/drawingml/2006/main" xmlns:r="http://schemas.openxmlformats.org/officeDocument/2006/relationships" xmlns:p="http://schemas.openxmlformats.org/presentationml/2006/main">
   <p:cSld>
-    <p:bg>
-      <p:bgPr>
-        <a:solidFill>
-          <a:schemeClr val="bg1"/>
-        </a:solidFill>
-        <a:effectLst/>
-      </p:bgPr>
-    </p:bg>
     <p:spTree>
       <p:nvGrpSpPr>
         <p:cNvPr id="1" name=""/>
@@ -4465,76 +4940,10 @@
       </p:grpSpPr>
       <p:sp>
         <p:nvSpPr>
-          <p:cNvPr id="9" name="Down Arrow 7">
-            <a:extLst>
-              <a:ext uri="{FF2B5EF4-FFF2-40B4-BE49-F238E27FC236}">
-                <a16:creationId xmlns:a16="http://schemas.microsoft.com/office/drawing/2014/main" id="{D4771268-CB57-404A-9271-370EB28F6090}"/>
-              </a:ext>
-              <a:ext uri="{C183D7F6-B498-43B3-948B-1728B52AA6E4}">
-                <adec:decorative xmlns:adec="http://schemas.microsoft.com/office/drawing/2017/decorative" val="1"/>
-              </a:ext>
-            </a:extLst>
-          </p:cNvPr>
-          <p:cNvSpPr>
-            <a:spLocks noGrp="1" noRot="1" noChangeAspect="1" noMove="1" noResize="1" noEditPoints="1" noAdjustHandles="1" noChangeArrowheads="1" noChangeShapeType="1" noTextEdit="1"/>
-          </p:cNvSpPr>
-          <p:nvPr>
-            <p:extLst>
-              <p:ext uri="{386F3935-93C4-4BCD-93E2-E3B085C9AB24}">
-                <p16:designElem xmlns:p16="http://schemas.microsoft.com/office/powerpoint/2015/main" val="1"/>
-              </p:ext>
-            </p:extLst>
-          </p:nvPr>
-        </p:nvSpPr>
-        <p:spPr>
-          <a:xfrm rot="16200000">
-            <a:off x="800100" y="1491343"/>
-            <a:ext cx="3333749" cy="3499103"/>
-          </a:xfrm>
-          <a:prstGeom prst="downArrow">
-            <a:avLst>
-              <a:gd name="adj1" fmla="val 100000"/>
-              <a:gd name="adj2" fmla="val 15788"/>
-            </a:avLst>
-          </a:prstGeom>
-          <a:solidFill>
-            <a:srgbClr val="404040"/>
-          </a:solidFill>
-          <a:ln w="53975">
-            <a:noFill/>
-          </a:ln>
-        </p:spPr>
-        <p:style>
-          <a:lnRef idx="2">
-            <a:schemeClr val="accent1">
-              <a:shade val="50000"/>
-            </a:schemeClr>
-          </a:lnRef>
-          <a:fillRef idx="1">
-            <a:schemeClr val="accent1"/>
-          </a:fillRef>
-          <a:effectRef idx="0">
-            <a:schemeClr val="accent1"/>
-          </a:effectRef>
-          <a:fontRef idx="minor">
-            <a:schemeClr val="lt1"/>
-          </a:fontRef>
-        </p:style>
-        <p:txBody>
-          <a:bodyPr rtlCol="0" anchor="ctr"/>
-          <a:lstStyle/>
-          <a:p>
-            <a:pPr algn="ctr"/>
-            <a:endParaRPr lang="en-US"/>
-          </a:p>
-        </p:txBody>
-      </p:sp>
-      <p:sp>
-        <p:nvSpPr>
           <p:cNvPr id="2" name="제목 1">
             <a:extLst>
               <a:ext uri="{FF2B5EF4-FFF2-40B4-BE49-F238E27FC236}">
-                <a16:creationId xmlns:a16="http://schemas.microsoft.com/office/drawing/2014/main" id="{6140DF49-1C71-7ADF-76EF-D0E5AFD8FC5A}"/>
+                <a16:creationId xmlns:a16="http://schemas.microsoft.com/office/drawing/2014/main" id="{37253B53-3834-DE86-D301-A78D499834A0}"/>
               </a:ext>
             </a:extLst>
           </p:cNvPr>
@@ -4545,122 +4954,157 @@
             <p:ph type="title"/>
           </p:nvPr>
         </p:nvSpPr>
+        <p:spPr/>
+        <p:txBody>
+          <a:bodyPr/>
+          <a:lstStyle/>
+          <a:p>
+            <a:r>
+              <a:rPr lang="ko-KR" altLang="en-US" dirty="0"/>
+              <a:t>사용 언어</a:t>
+            </a:r>
+            <a:r>
+              <a:rPr lang="en-US" altLang="ko-KR" dirty="0"/>
+              <a:t>, </a:t>
+            </a:r>
+            <a:r>
+              <a:rPr lang="ko-KR" altLang="en-US" dirty="0"/>
+              <a:t>환경</a:t>
+            </a:r>
+          </a:p>
+        </p:txBody>
+      </p:sp>
+      <p:sp>
+        <p:nvSpPr>
+          <p:cNvPr id="3" name="내용 개체 틀 2">
+            <a:extLst>
+              <a:ext uri="{FF2B5EF4-FFF2-40B4-BE49-F238E27FC236}">
+                <a16:creationId xmlns:a16="http://schemas.microsoft.com/office/drawing/2014/main" id="{A34DC1A1-A0CD-FD8A-BA1D-F171C1FA9645}"/>
+              </a:ext>
+            </a:extLst>
+          </p:cNvPr>
+          <p:cNvSpPr>
+            <a:spLocks noGrp="1"/>
+          </p:cNvSpPr>
+          <p:nvPr>
+            <p:ph idx="1"/>
+          </p:nvPr>
+        </p:nvSpPr>
         <p:spPr>
           <a:xfrm>
-            <a:off x="1028700" y="1967266"/>
-            <a:ext cx="2628900" cy="2547257"/>
+            <a:off x="838200" y="1825625"/>
+            <a:ext cx="10998200" cy="4351338"/>
           </a:xfrm>
-          <a:noFill/>
         </p:spPr>
         <p:txBody>
-          <a:bodyPr anchor="ctr">
+          <a:bodyPr>
             <a:normAutofit/>
           </a:bodyPr>
           <a:lstStyle/>
           <a:p>
-            <a:pPr algn="ctr"/>
-            <a:r>
-              <a:rPr lang="en-US" altLang="ko-KR" sz="3600" dirty="0">
-                <a:solidFill>
-                  <a:srgbClr val="FFFFFF"/>
-                </a:solidFill>
-              </a:rPr>
-              <a:t>Scheme</a:t>
-            </a:r>
-            <a:endParaRPr lang="ko-KR" altLang="en-US" sz="3600" dirty="0">
-              <a:solidFill>
-                <a:srgbClr val="FFFFFF"/>
-              </a:solidFill>
-            </a:endParaRPr>
-          </a:p>
-        </p:txBody>
-      </p:sp>
-      <p:pic>
-        <p:nvPicPr>
-          <p:cNvPr id="4" name="그림 3" descr="텍스트, 스크린샷, 폰트, 도표이(가) 표시된 사진&#10;&#10;AI 생성 콘텐츠는 정확하지 않을 수 있습니다.">
-            <a:extLst>
-              <a:ext uri="{FF2B5EF4-FFF2-40B4-BE49-F238E27FC236}">
-                <a16:creationId xmlns:a16="http://schemas.microsoft.com/office/drawing/2014/main" id="{53FAAC54-FA45-6EB5-8A65-9AA5FC6B9519}"/>
-              </a:ext>
-            </a:extLst>
-          </p:cNvPr>
-          <p:cNvPicPr>
-            <a:picLocks noChangeAspect="1"/>
-          </p:cNvPicPr>
-          <p:nvPr/>
-        </p:nvPicPr>
-        <p:blipFill>
-          <a:blip r:embed="rId2"/>
-          <a:stretch>
-            <a:fillRect/>
-          </a:stretch>
-        </p:blipFill>
-        <p:spPr>
-          <a:xfrm>
-            <a:off x="6096000" y="163319"/>
-            <a:ext cx="4103262" cy="6147209"/>
-          </a:xfrm>
-          <a:prstGeom prst="rect">
-            <a:avLst/>
-          </a:prstGeom>
-        </p:spPr>
-      </p:pic>
-      <p:sp>
-        <p:nvSpPr>
-          <p:cNvPr id="5" name="직사각형 4">
-            <a:extLst>
-              <a:ext uri="{FF2B5EF4-FFF2-40B4-BE49-F238E27FC236}">
-                <a16:creationId xmlns:a16="http://schemas.microsoft.com/office/drawing/2014/main" id="{C122AB85-6659-C3FA-68A3-23AC0FFC711F}"/>
-              </a:ext>
-            </a:extLst>
-          </p:cNvPr>
-          <p:cNvSpPr/>
-          <p:nvPr/>
-        </p:nvSpPr>
-        <p:spPr>
-          <a:xfrm>
-            <a:off x="7954297" y="2782529"/>
-            <a:ext cx="78658" cy="137652"/>
-          </a:xfrm>
-          <a:prstGeom prst="rect">
-            <a:avLst/>
-          </a:prstGeom>
-          <a:solidFill>
-            <a:srgbClr val="FFFFFF"/>
-          </a:solidFill>
-          <a:ln>
-            <a:noFill/>
-          </a:ln>
-        </p:spPr>
-        <p:style>
-          <a:lnRef idx="2">
-            <a:schemeClr val="accent1">
-              <a:shade val="15000"/>
-            </a:schemeClr>
-          </a:lnRef>
-          <a:fillRef idx="1">
-            <a:schemeClr val="accent1"/>
-          </a:fillRef>
-          <a:effectRef idx="0">
-            <a:schemeClr val="accent1"/>
-          </a:effectRef>
-          <a:fontRef idx="minor">
-            <a:schemeClr val="lt1"/>
-          </a:fontRef>
-        </p:style>
-        <p:txBody>
-          <a:bodyPr rtlCol="0" anchor="ctr"/>
-          <a:lstStyle/>
-          <a:p>
-            <a:pPr algn="ctr"/>
-            <a:endParaRPr lang="ko-KR" altLang="en-US"/>
+            <a:r>
+              <a:rPr lang="ko-KR" altLang="en-US" dirty="0" err="1"/>
+              <a:t>백엔드</a:t>
+            </a:r>
+            <a:r>
+              <a:rPr lang="ko-KR" altLang="en-US" dirty="0"/>
+              <a:t> 사용 언어</a:t>
+            </a:r>
+            <a:r>
+              <a:rPr lang="en-US" altLang="ko-KR" dirty="0"/>
+              <a:t>: python</a:t>
+            </a:r>
+          </a:p>
+          <a:p>
+            <a:endParaRPr lang="en-US" altLang="ko-KR" dirty="0"/>
+          </a:p>
+          <a:p>
+            <a:r>
+              <a:rPr lang="ko-KR" altLang="en-US" dirty="0" err="1"/>
+              <a:t>프론트엔드</a:t>
+            </a:r>
+            <a:r>
+              <a:rPr lang="ko-KR" altLang="en-US" dirty="0"/>
+              <a:t> 구현</a:t>
+            </a:r>
+            <a:r>
+              <a:rPr lang="en-US" altLang="ko-KR" dirty="0"/>
+              <a:t>: python</a:t>
+            </a:r>
+          </a:p>
+          <a:p>
+            <a:endParaRPr lang="en-US" altLang="ko-KR" dirty="0"/>
+          </a:p>
+          <a:p>
+            <a:r>
+              <a:rPr lang="ko-KR" altLang="en-US" dirty="0"/>
+              <a:t>기반 프로그램</a:t>
+            </a:r>
+            <a:r>
+              <a:rPr lang="en-US" altLang="ko-KR" dirty="0"/>
+              <a:t>: </a:t>
+            </a:r>
+            <a:r>
+              <a:rPr lang="en-US" altLang="ko-KR" dirty="0" err="1"/>
+              <a:t>Genemania</a:t>
+            </a:r>
+            <a:r>
+              <a:rPr lang="en-US" altLang="ko-KR" dirty="0"/>
+              <a:t>, </a:t>
+            </a:r>
+            <a:r>
+              <a:rPr lang="en-US" altLang="ko-KR" dirty="0" err="1"/>
+              <a:t>Cytoscape</a:t>
+            </a:r>
+            <a:r>
+              <a:rPr lang="en-US" altLang="ko-KR" dirty="0"/>
+              <a:t> </a:t>
+            </a:r>
+            <a:r>
+              <a:rPr lang="ko-KR" altLang="en-US" dirty="0"/>
+              <a:t>등 오픈소스 프로그램 차용</a:t>
+            </a:r>
+            <a:endParaRPr lang="en-US" altLang="ko-KR" dirty="0"/>
+          </a:p>
+          <a:p>
+            <a:endParaRPr lang="en-US" altLang="ko-KR" dirty="0"/>
+          </a:p>
+          <a:p>
+            <a:r>
+              <a:rPr lang="ko-KR" altLang="en-US" dirty="0"/>
+              <a:t>개발 환경</a:t>
+            </a:r>
+            <a:r>
+              <a:rPr lang="en-US" altLang="ko-KR" dirty="0"/>
+              <a:t>: Visual Studio Code</a:t>
+            </a:r>
+          </a:p>
+          <a:p>
+            <a:pPr marL="0" indent="0">
+              <a:buNone/>
+            </a:pPr>
+            <a:r>
+              <a:rPr lang="en-US" altLang="ko-KR" sz="2400" dirty="0"/>
+              <a:t>- Local python server</a:t>
+            </a:r>
+            <a:r>
+              <a:rPr lang="ko-KR" altLang="en-US" sz="2400" dirty="0"/>
+              <a:t>에서 자체적으로 모델링부터 시각화까지 진행</a:t>
+            </a:r>
+            <a:endParaRPr lang="en-US" altLang="ko-KR" sz="2400" dirty="0"/>
+          </a:p>
+          <a:p>
+            <a:endParaRPr lang="en-US" altLang="ko-KR" dirty="0"/>
+          </a:p>
+          <a:p>
+            <a:endParaRPr lang="ko-KR" altLang="en-US" dirty="0"/>
           </a:p>
         </p:txBody>
       </p:sp>
     </p:spTree>
     <p:extLst>
       <p:ext uri="{BB962C8B-B14F-4D97-AF65-F5344CB8AC3E}">
-        <p14:creationId xmlns:p14="http://schemas.microsoft.com/office/powerpoint/2010/main" val="4003341211"/>
+        <p14:creationId xmlns:p14="http://schemas.microsoft.com/office/powerpoint/2010/main" val="468074766"/>
       </p:ext>
     </p:extLst>
   </p:cSld>
@@ -4692,7 +5136,7 @@
           <p:cNvPr id="2" name="제목 1">
             <a:extLst>
               <a:ext uri="{FF2B5EF4-FFF2-40B4-BE49-F238E27FC236}">
-                <a16:creationId xmlns:a16="http://schemas.microsoft.com/office/drawing/2014/main" id="{37253B53-3834-DE86-D301-A78D499834A0}"/>
+                <a16:creationId xmlns:a16="http://schemas.microsoft.com/office/drawing/2014/main" id="{648BCECC-74C5-1155-A4DE-84340810A096}"/>
               </a:ext>
             </a:extLst>
           </p:cNvPr>
@@ -4710,15 +5154,7 @@
           <a:p>
             <a:r>
               <a:rPr lang="ko-KR" altLang="en-US" dirty="0"/>
-              <a:t>사용 언어</a:t>
-            </a:r>
-            <a:r>
-              <a:rPr lang="en-US" altLang="ko-KR" dirty="0"/>
-              <a:t>, </a:t>
-            </a:r>
-            <a:r>
-              <a:rPr lang="ko-KR" altLang="en-US" dirty="0"/>
-              <a:t>환경</a:t>
+              <a:t>선행연구로부터 유전자 중요도 얻기</a:t>
             </a:r>
           </a:p>
         </p:txBody>
@@ -4728,7 +5164,7 @@
           <p:cNvPr id="3" name="내용 개체 틀 2">
             <a:extLst>
               <a:ext uri="{FF2B5EF4-FFF2-40B4-BE49-F238E27FC236}">
-                <a16:creationId xmlns:a16="http://schemas.microsoft.com/office/drawing/2014/main" id="{A34DC1A1-A0CD-FD8A-BA1D-F171C1FA9645}"/>
+                <a16:creationId xmlns:a16="http://schemas.microsoft.com/office/drawing/2014/main" id="{FA3DA122-D2CB-7D2A-8171-D1D11609F0BD}"/>
               </a:ext>
             </a:extLst>
           </p:cNvPr>
@@ -4739,117 +5175,61 @@
             <p:ph idx="1"/>
           </p:nvPr>
         </p:nvSpPr>
-        <p:spPr/>
+        <p:spPr>
+          <a:xfrm>
+            <a:off x="838200" y="1825625"/>
+            <a:ext cx="10906760" cy="4351338"/>
+          </a:xfrm>
+        </p:spPr>
         <p:txBody>
           <a:bodyPr>
-            <a:normAutofit lnSpcReduction="10000"/>
+            <a:normAutofit/>
           </a:bodyPr>
           <a:lstStyle/>
           <a:p>
-            <a:r>
-              <a:rPr lang="ko-KR" altLang="en-US" dirty="0" err="1"/>
-              <a:t>벡엔드</a:t>
-            </a:r>
+            <a:endParaRPr lang="en-US" altLang="ko-KR" dirty="0"/>
+          </a:p>
+          <a:p>
             <a:r>
               <a:rPr lang="ko-KR" altLang="en-US" dirty="0"/>
-              <a:t> 사용 언어</a:t>
+              <a:t>기존 연구분야와 관련된 논문을 업로드 및 관련 유전자 직접 입력</a:t>
+            </a:r>
+            <a:endParaRPr lang="en-US" altLang="ko-KR" dirty="0"/>
+          </a:p>
+          <a:p>
+            <a:endParaRPr lang="en-US" altLang="ko-KR" dirty="0"/>
+          </a:p>
+          <a:p>
+            <a:r>
+              <a:rPr lang="ko-KR" altLang="en-US" dirty="0"/>
+              <a:t>논문 내 언급 빈도 기반으로 중요 유전자 추출</a:t>
+            </a:r>
+            <a:endParaRPr lang="en-US" altLang="ko-KR" dirty="0"/>
+          </a:p>
+          <a:p>
+            <a:endParaRPr lang="en-US" altLang="ko-KR" dirty="0"/>
+          </a:p>
+          <a:p>
+            <a:r>
+              <a:rPr lang="ko-KR" altLang="en-US" dirty="0"/>
+              <a:t>추출된 유전자를 기반으로 </a:t>
             </a:r>
             <a:r>
               <a:rPr lang="en-US" altLang="ko-KR" dirty="0"/>
-              <a:t>: python</a:t>
-            </a:r>
-          </a:p>
-          <a:p>
-            <a:pPr marL="0" indent="0">
-              <a:buNone/>
-            </a:pPr>
-            <a:r>
-              <a:rPr lang="en-US" altLang="ko-KR" sz="2400" dirty="0"/>
-              <a:t>- LLM</a:t>
-            </a:r>
-            <a:r>
-              <a:rPr lang="ko-KR" altLang="en-US" sz="2400" dirty="0"/>
-              <a:t> 활용해 데이터 처리</a:t>
-            </a:r>
-            <a:endParaRPr lang="en-US" altLang="ko-KR" sz="2400" dirty="0"/>
-          </a:p>
-          <a:p>
+              <a:t>GRN </a:t>
+            </a:r>
+            <a:r>
+              <a:rPr lang="ko-KR" altLang="en-US" dirty="0"/>
+              <a:t>생성</a:t>
+            </a:r>
             <a:endParaRPr lang="en-US" altLang="ko-KR" dirty="0"/>
-          </a:p>
-          <a:p>
-            <a:r>
-              <a:rPr lang="ko-KR" altLang="en-US" dirty="0" err="1"/>
-              <a:t>프론트엔드</a:t>
-            </a:r>
-            <a:r>
-              <a:rPr lang="ko-KR" altLang="en-US" dirty="0"/>
-              <a:t> 구현</a:t>
-            </a:r>
-            <a:r>
-              <a:rPr lang="en-US" altLang="ko-KR" dirty="0"/>
-              <a:t>: python</a:t>
-            </a:r>
-          </a:p>
-          <a:p>
-            <a:endParaRPr lang="en-US" altLang="ko-KR" dirty="0"/>
-          </a:p>
-          <a:p>
-            <a:r>
-              <a:rPr lang="ko-KR" altLang="en-US" dirty="0"/>
-              <a:t>기반 프로그램</a:t>
-            </a:r>
-            <a:r>
-              <a:rPr lang="en-US" altLang="ko-KR" dirty="0"/>
-              <a:t>: </a:t>
-            </a:r>
-            <a:r>
-              <a:rPr lang="en-US" altLang="ko-KR" dirty="0" err="1"/>
-              <a:t>Genemania</a:t>
-            </a:r>
-            <a:r>
-              <a:rPr lang="en-US" altLang="ko-KR" dirty="0"/>
-              <a:t>, Cytoscape</a:t>
-            </a:r>
-          </a:p>
-          <a:p>
-            <a:endParaRPr lang="en-US" altLang="ko-KR" dirty="0"/>
-          </a:p>
-          <a:p>
-            <a:r>
-              <a:rPr lang="ko-KR" altLang="en-US" dirty="0"/>
-              <a:t>개발 환경</a:t>
-            </a:r>
-            <a:r>
-              <a:rPr lang="en-US" altLang="ko-KR" dirty="0"/>
-              <a:t>: Visual Studio Code</a:t>
-            </a:r>
-          </a:p>
-          <a:p>
-            <a:pPr marL="0" indent="0">
-              <a:buNone/>
-            </a:pPr>
-            <a:r>
-              <a:rPr lang="en-US" altLang="ko-KR" sz="2400" dirty="0"/>
-              <a:t>- Local python server</a:t>
-            </a:r>
-            <a:r>
-              <a:rPr lang="ko-KR" altLang="en-US" sz="2400" dirty="0"/>
-              <a:t>에서 자체적으로 모델링부터 시각화까지 진행</a:t>
-            </a:r>
-            <a:endParaRPr lang="en-US" altLang="ko-KR" sz="2400" dirty="0"/>
-          </a:p>
-          <a:p>
-            <a:endParaRPr lang="en-US" altLang="ko-KR" dirty="0"/>
-          </a:p>
-          <a:p>
-            <a:endParaRPr lang="ko-KR" altLang="en-US" dirty="0"/>
           </a:p>
         </p:txBody>
       </p:sp>
     </p:spTree>
     <p:extLst>
       <p:ext uri="{BB962C8B-B14F-4D97-AF65-F5344CB8AC3E}">
-        <p14:creationId xmlns:p14="http://schemas.microsoft.com/office/powerpoint/2010/main" val="468074766"/>
+        <p14:creationId xmlns:p14="http://schemas.microsoft.com/office/powerpoint/2010/main" val="272183743"/>
       </p:ext>
     </p:extLst>
   </p:cSld>
@@ -4881,7 +5261,7 @@
           <p:cNvPr id="2" name="제목 1">
             <a:extLst>
               <a:ext uri="{FF2B5EF4-FFF2-40B4-BE49-F238E27FC236}">
-                <a16:creationId xmlns:a16="http://schemas.microsoft.com/office/drawing/2014/main" id="{648BCECC-74C5-1155-A4DE-84340810A096}"/>
+                <a16:creationId xmlns:a16="http://schemas.microsoft.com/office/drawing/2014/main" id="{0F02EB38-87E8-B493-8D84-79EEBE663A64}"/>
               </a:ext>
             </a:extLst>
           </p:cNvPr>
@@ -4898,8 +5278,12 @@
           <a:lstStyle/>
           <a:p>
             <a:r>
+              <a:rPr lang="en-US" altLang="ko-KR" dirty="0"/>
+              <a:t>GRN </a:t>
+            </a:r>
+            <a:r>
               <a:rPr lang="ko-KR" altLang="en-US" dirty="0"/>
-              <a:t>선행연구로부터 유전자 중요도 얻기</a:t>
+              <a:t>제시</a:t>
             </a:r>
           </a:p>
         </p:txBody>
@@ -4909,7 +5293,7 @@
           <p:cNvPr id="3" name="내용 개체 틀 2">
             <a:extLst>
               <a:ext uri="{FF2B5EF4-FFF2-40B4-BE49-F238E27FC236}">
-                <a16:creationId xmlns:a16="http://schemas.microsoft.com/office/drawing/2014/main" id="{FA3DA122-D2CB-7D2A-8171-D1D11609F0BD}"/>
+                <a16:creationId xmlns:a16="http://schemas.microsoft.com/office/drawing/2014/main" id="{260D3115-A481-BDE6-EB6D-F114C4EEE9B2}"/>
               </a:ext>
             </a:extLst>
           </p:cNvPr>
@@ -4920,246 +5304,6 @@
             <p:ph idx="1"/>
           </p:nvPr>
         </p:nvSpPr>
-        <p:spPr/>
-        <p:txBody>
-          <a:bodyPr>
-            <a:normAutofit lnSpcReduction="10000"/>
-          </a:bodyPr>
-          <a:lstStyle/>
-          <a:p>
-            <a:r>
-              <a:rPr lang="en-US" altLang="ko-KR" dirty="0"/>
-              <a:t>NCBI Gene</a:t>
-            </a:r>
-            <a:r>
-              <a:rPr lang="ko-KR" altLang="en-US" dirty="0"/>
-              <a:t> 데이터에 접근 필요</a:t>
-            </a:r>
-            <a:endParaRPr lang="en-US" altLang="ko-KR" dirty="0"/>
-          </a:p>
-          <a:p>
-            <a:endParaRPr lang="en-US" altLang="ko-KR" dirty="0"/>
-          </a:p>
-          <a:p>
-            <a:r>
-              <a:rPr lang="ko-KR" altLang="en-US" dirty="0"/>
-              <a:t>종 선택 후 선행연구 올리면</a:t>
-            </a:r>
-            <a:r>
-              <a:rPr lang="en-US" altLang="ko-KR" dirty="0"/>
-              <a:t>, NCBI Gene</a:t>
-            </a:r>
-            <a:r>
-              <a:rPr lang="ko-KR" altLang="en-US" dirty="0"/>
-              <a:t>에 접근해서 유전자 이름 별로 몇 번 언급되었는지 </a:t>
-            </a:r>
-            <a:r>
-              <a:rPr lang="en-US" altLang="ko-KR" dirty="0" err="1"/>
-              <a:t>Ctrl+F</a:t>
-            </a:r>
-            <a:r>
-              <a:rPr lang="ko-KR" altLang="en-US" dirty="0"/>
-              <a:t>로 찾듯이 찾아냄</a:t>
-            </a:r>
-            <a:endParaRPr lang="en-US" altLang="ko-KR" dirty="0"/>
-          </a:p>
-          <a:p>
-            <a:endParaRPr lang="en-US" altLang="ko-KR" dirty="0"/>
-          </a:p>
-          <a:p>
-            <a:r>
-              <a:rPr lang="ko-KR" altLang="en-US" dirty="0"/>
-              <a:t>이후 많이 언급된 유전자가 상단에 뜨도록 </a:t>
-            </a:r>
-            <a:r>
-              <a:rPr lang="en-US" altLang="ko-KR" dirty="0"/>
-              <a:t>list</a:t>
-            </a:r>
-            <a:r>
-              <a:rPr lang="ko-KR" altLang="en-US" dirty="0"/>
-              <a:t>화</a:t>
-            </a:r>
-            <a:endParaRPr lang="en-US" altLang="ko-KR" dirty="0"/>
-          </a:p>
-          <a:p>
-            <a:endParaRPr lang="en-US" altLang="ko-KR" dirty="0"/>
-          </a:p>
-          <a:p>
-            <a:pPr>
-              <a:buFontTx/>
-              <a:buChar char="-"/>
-            </a:pPr>
-            <a:r>
-              <a:rPr lang="ko-KR" altLang="en-US" sz="2000" dirty="0"/>
-              <a:t>현 연구 단계에선 종을 여러 가지로 늘리지 말고</a:t>
-            </a:r>
-            <a:r>
-              <a:rPr lang="en-US" altLang="ko-KR" sz="2000" dirty="0"/>
-              <a:t>, </a:t>
-            </a:r>
-            <a:r>
-              <a:rPr lang="ko-KR" altLang="en-US" sz="2000" dirty="0"/>
-              <a:t>단순한 실험 동물 한 종만 데이터로 사용하는 게 좋아 보임</a:t>
-            </a:r>
-            <a:r>
-              <a:rPr lang="en-US" altLang="ko-KR" sz="2000" dirty="0"/>
-              <a:t>.</a:t>
-            </a:r>
-            <a:r>
-              <a:rPr lang="ko-KR" altLang="en-US" sz="2000" dirty="0"/>
-              <a:t> </a:t>
-            </a:r>
-            <a:r>
-              <a:rPr lang="en-US" altLang="ko-KR" sz="2000" i="1" dirty="0"/>
-              <a:t>E. coli</a:t>
-            </a:r>
-            <a:r>
-              <a:rPr lang="ko-KR" altLang="en-US" sz="2000" dirty="0"/>
-              <a:t>나 </a:t>
-            </a:r>
-            <a:r>
-              <a:rPr lang="en-US" altLang="ko-KR" sz="2000" i="1" dirty="0"/>
-              <a:t>D. melanogaster</a:t>
-            </a:r>
-            <a:r>
-              <a:rPr lang="ko-KR" altLang="en-US" sz="2000" dirty="0"/>
-              <a:t>가 좋을 것 같음</a:t>
-            </a:r>
-            <a:r>
-              <a:rPr lang="en-US" altLang="ko-KR" sz="2000" dirty="0"/>
-              <a:t>.</a:t>
-            </a:r>
-          </a:p>
-          <a:p>
-            <a:pPr>
-              <a:buFontTx/>
-              <a:buChar char="-"/>
-            </a:pPr>
-            <a:r>
-              <a:rPr lang="ko-KR" altLang="en-US" sz="2000" dirty="0"/>
-              <a:t>유전자 수</a:t>
-            </a:r>
-            <a:r>
-              <a:rPr lang="en-US" altLang="ko-KR" sz="2000" dirty="0"/>
-              <a:t>: </a:t>
-            </a:r>
-            <a:r>
-              <a:rPr lang="en-US" altLang="ko-KR" sz="2000" i="1" dirty="0"/>
-              <a:t>E. coli</a:t>
-            </a:r>
-            <a:r>
-              <a:rPr lang="ko-KR" altLang="en-US" sz="2000" dirty="0"/>
-              <a:t>는 </a:t>
-            </a:r>
-            <a:r>
-              <a:rPr lang="en-US" altLang="ko-KR" sz="2000" dirty="0"/>
-              <a:t>4~5,000</a:t>
-            </a:r>
-            <a:r>
-              <a:rPr lang="ko-KR" altLang="en-US" sz="2000" dirty="0"/>
-              <a:t>개</a:t>
-            </a:r>
-            <a:r>
-              <a:rPr lang="en-US" altLang="ko-KR" sz="2000" dirty="0"/>
-              <a:t>, </a:t>
-            </a:r>
-            <a:r>
-              <a:rPr lang="en-US" altLang="ko-KR" sz="2000" i="1" dirty="0"/>
-              <a:t>D. melanogaster</a:t>
-            </a:r>
-            <a:r>
-              <a:rPr lang="ko-KR" altLang="en-US" sz="2000" dirty="0"/>
-              <a:t>는 </a:t>
-            </a:r>
-            <a:r>
-              <a:rPr lang="en-US" altLang="ko-KR" sz="2000" dirty="0"/>
-              <a:t>14,000</a:t>
-            </a:r>
-            <a:r>
-              <a:rPr lang="ko-KR" altLang="en-US" sz="2000" dirty="0"/>
-              <a:t>여 개</a:t>
-            </a:r>
-          </a:p>
-        </p:txBody>
-      </p:sp>
-    </p:spTree>
-    <p:extLst>
-      <p:ext uri="{BB962C8B-B14F-4D97-AF65-F5344CB8AC3E}">
-        <p14:creationId xmlns:p14="http://schemas.microsoft.com/office/powerpoint/2010/main" val="272183743"/>
-      </p:ext>
-    </p:extLst>
-  </p:cSld>
-  <p:clrMapOvr>
-    <a:masterClrMapping/>
-  </p:clrMapOvr>
-</p:sld>
-</file>
-
-<file path=ppt/slides/slide6.xml><?xml version="1.0" encoding="utf-8"?>
-<p:sld xmlns:a="http://schemas.openxmlformats.org/drawingml/2006/main" xmlns:r="http://schemas.openxmlformats.org/officeDocument/2006/relationships" xmlns:p="http://schemas.openxmlformats.org/presentationml/2006/main">
-  <p:cSld>
-    <p:spTree>
-      <p:nvGrpSpPr>
-        <p:cNvPr id="1" name=""/>
-        <p:cNvGrpSpPr/>
-        <p:nvPr/>
-      </p:nvGrpSpPr>
-      <p:grpSpPr>
-        <a:xfrm>
-          <a:off x="0" y="0"/>
-          <a:ext cx="0" cy="0"/>
-          <a:chOff x="0" y="0"/>
-          <a:chExt cx="0" cy="0"/>
-        </a:xfrm>
-      </p:grpSpPr>
-      <p:sp>
-        <p:nvSpPr>
-          <p:cNvPr id="2" name="제목 1">
-            <a:extLst>
-              <a:ext uri="{FF2B5EF4-FFF2-40B4-BE49-F238E27FC236}">
-                <a16:creationId xmlns:a16="http://schemas.microsoft.com/office/drawing/2014/main" id="{0F02EB38-87E8-B493-8D84-79EEBE663A64}"/>
-              </a:ext>
-            </a:extLst>
-          </p:cNvPr>
-          <p:cNvSpPr>
-            <a:spLocks noGrp="1"/>
-          </p:cNvSpPr>
-          <p:nvPr>
-            <p:ph type="title"/>
-          </p:nvPr>
-        </p:nvSpPr>
-        <p:spPr/>
-        <p:txBody>
-          <a:bodyPr/>
-          <a:lstStyle/>
-          <a:p>
-            <a:r>
-              <a:rPr lang="en-US" altLang="ko-KR" dirty="0"/>
-              <a:t>GRN </a:t>
-            </a:r>
-            <a:r>
-              <a:rPr lang="ko-KR" altLang="en-US" dirty="0"/>
-              <a:t>제시</a:t>
-            </a:r>
-          </a:p>
-        </p:txBody>
-      </p:sp>
-      <p:sp>
-        <p:nvSpPr>
-          <p:cNvPr id="3" name="내용 개체 틀 2">
-            <a:extLst>
-              <a:ext uri="{FF2B5EF4-FFF2-40B4-BE49-F238E27FC236}">
-                <a16:creationId xmlns:a16="http://schemas.microsoft.com/office/drawing/2014/main" id="{260D3115-A481-BDE6-EB6D-F114C4EEE9B2}"/>
-              </a:ext>
-            </a:extLst>
-          </p:cNvPr>
-          <p:cNvSpPr>
-            <a:spLocks noGrp="1"/>
-          </p:cNvSpPr>
-          <p:nvPr>
-            <p:ph idx="1"/>
-          </p:nvPr>
-        </p:nvSpPr>
         <p:spPr>
           <a:xfrm>
             <a:off x="838200" y="1825625"/>
@@ -5348,23 +5492,7 @@
             </a:r>
             <a:r>
               <a:rPr lang="en-US" altLang="ko-KR" sz="1600" dirty="0"/>
-              <a:t> (NCBI Gene</a:t>
-            </a:r>
-            <a:r>
-              <a:rPr lang="ko-KR" altLang="en-US" sz="1600" dirty="0"/>
-              <a:t>의 </a:t>
-            </a:r>
-            <a:r>
-              <a:rPr lang="en-US" altLang="ko-KR" sz="1600" dirty="0"/>
-              <a:t>PTM </a:t>
-            </a:r>
-            <a:r>
-              <a:rPr lang="ko-KR" altLang="en-US" sz="1600" dirty="0"/>
-              <a:t>섹션을 이용하면 될 듯</a:t>
-            </a:r>
-            <a:r>
-              <a:rPr lang="en-US" altLang="ko-KR" sz="1600" dirty="0"/>
-              <a:t>)</a:t>
+              <a:t> </a:t>
             </a:r>
           </a:p>
           <a:p>
@@ -7535,7 +7663,7 @@
 </p:sld>
 </file>
 
-<file path=ppt/slides/slide7.xml><?xml version="1.0" encoding="utf-8"?>
+<file path=ppt/slides/slide6.xml><?xml version="1.0" encoding="utf-8"?>
 <p:sld xmlns:a="http://schemas.openxmlformats.org/drawingml/2006/main" xmlns:r="http://schemas.openxmlformats.org/officeDocument/2006/relationships" xmlns:p="http://schemas.openxmlformats.org/presentationml/2006/main">
   <p:cSld>
     <p:spTree>
@@ -7677,21 +7805,10 @@
             <a:endParaRPr lang="en-US" altLang="ko-KR" sz="2000" dirty="0"/>
           </a:p>
           <a:p>
+            <a:pPr marL="0" indent="0">
+              <a:buNone/>
+            </a:pPr>
             <a:endParaRPr lang="en-US" altLang="ko-KR" sz="2000" dirty="0"/>
-          </a:p>
-          <a:p>
-            <a:r>
-              <a:rPr lang="ko-KR" altLang="en-US" sz="2000" dirty="0"/>
-              <a:t>이때 관계에 대한 설명은 </a:t>
-            </a:r>
-            <a:r>
-              <a:rPr lang="en-US" altLang="ko-KR" sz="2000" dirty="0"/>
-              <a:t>NCBI </a:t>
-            </a:r>
-            <a:r>
-              <a:rPr lang="ko-KR" altLang="en-US" sz="2000" dirty="0"/>
-              <a:t>데이터를 활용</a:t>
-            </a:r>
           </a:p>
         </p:txBody>
       </p:sp>
@@ -8533,6 +8650,175 @@
 </p:sld>
 </file>
 
+<file path=ppt/slides/slide7.xml><?xml version="1.0" encoding="utf-8"?>
+<p:sld xmlns:a="http://schemas.openxmlformats.org/drawingml/2006/main" xmlns:r="http://schemas.openxmlformats.org/officeDocument/2006/relationships" xmlns:p="http://schemas.openxmlformats.org/presentationml/2006/main">
+  <p:cSld>
+    <p:spTree>
+      <p:nvGrpSpPr>
+        <p:cNvPr id="1" name=""/>
+        <p:cNvGrpSpPr/>
+        <p:nvPr/>
+      </p:nvGrpSpPr>
+      <p:grpSpPr>
+        <a:xfrm>
+          <a:off x="0" y="0"/>
+          <a:ext cx="0" cy="0"/>
+          <a:chOff x="0" y="0"/>
+          <a:chExt cx="0" cy="0"/>
+        </a:xfrm>
+      </p:grpSpPr>
+      <p:sp>
+        <p:nvSpPr>
+          <p:cNvPr id="2" name="제목 1">
+            <a:extLst>
+              <a:ext uri="{FF2B5EF4-FFF2-40B4-BE49-F238E27FC236}">
+                <a16:creationId xmlns:a16="http://schemas.microsoft.com/office/drawing/2014/main" id="{25CEBB35-CFF0-C0CA-CF2B-DDBC3CEAE70E}"/>
+              </a:ext>
+            </a:extLst>
+          </p:cNvPr>
+          <p:cNvSpPr>
+            <a:spLocks noGrp="1"/>
+          </p:cNvSpPr>
+          <p:nvPr>
+            <p:ph type="title"/>
+          </p:nvPr>
+        </p:nvSpPr>
+        <p:spPr/>
+        <p:txBody>
+          <a:bodyPr/>
+          <a:lstStyle/>
+          <a:p>
+            <a:r>
+              <a:rPr lang="ko-KR" altLang="en-US" dirty="0"/>
+              <a:t>본 플랫폼의 강점</a:t>
+            </a:r>
+          </a:p>
+        </p:txBody>
+      </p:sp>
+      <p:sp>
+        <p:nvSpPr>
+          <p:cNvPr id="3" name="내용 개체 틀 2">
+            <a:extLst>
+              <a:ext uri="{FF2B5EF4-FFF2-40B4-BE49-F238E27FC236}">
+                <a16:creationId xmlns:a16="http://schemas.microsoft.com/office/drawing/2014/main" id="{2E925AAD-970F-6FD3-9C92-AF3760F8D136}"/>
+              </a:ext>
+            </a:extLst>
+          </p:cNvPr>
+          <p:cNvSpPr>
+            <a:spLocks noGrp="1"/>
+          </p:cNvSpPr>
+          <p:nvPr>
+            <p:ph idx="1"/>
+          </p:nvPr>
+        </p:nvSpPr>
+        <p:spPr/>
+        <p:txBody>
+          <a:bodyPr/>
+          <a:lstStyle/>
+          <a:p>
+            <a:r>
+              <a:rPr lang="ko-KR" altLang="en-US" sz="3600" dirty="0"/>
+              <a:t>연구자 친화적</a:t>
+            </a:r>
+            <a:endParaRPr lang="en-US" altLang="ko-KR" sz="3600" dirty="0"/>
+          </a:p>
+          <a:p>
+            <a:pPr marL="0" indent="0">
+              <a:buNone/>
+            </a:pPr>
+            <a:r>
+              <a:rPr lang="en-US" altLang="ko-KR" dirty="0"/>
+              <a:t> - </a:t>
+            </a:r>
+            <a:r>
+              <a:rPr lang="ko-KR" altLang="en-US" dirty="0"/>
+              <a:t>기존의 복잡하고 사용하기 어려운 툴들과 달리</a:t>
+            </a:r>
+            <a:r>
+              <a:rPr lang="en-US" altLang="ko-KR" dirty="0"/>
+              <a:t>, </a:t>
+            </a:r>
+            <a:r>
+              <a:rPr lang="ko-KR" altLang="en-US" dirty="0"/>
+              <a:t>쉽고 직관적인 </a:t>
+            </a:r>
+            <a:r>
+              <a:rPr lang="en-US" altLang="ko-KR" dirty="0"/>
+              <a:t>UI</a:t>
+            </a:r>
+            <a:r>
+              <a:rPr lang="ko-KR" altLang="en-US" dirty="0"/>
+              <a:t>를</a:t>
+            </a:r>
+            <a:r>
+              <a:rPr lang="en-US" altLang="ko-KR" dirty="0"/>
+              <a:t> </a:t>
+            </a:r>
+            <a:r>
+              <a:rPr lang="ko-KR" altLang="en-US" dirty="0"/>
+              <a:t>이용해 사용자가 본 프로그램에 익숙해지는데 걸리는 시간을 단축할 수 있다</a:t>
+            </a:r>
+            <a:r>
+              <a:rPr lang="en-US" altLang="ko-KR" dirty="0"/>
+              <a:t>. </a:t>
+            </a:r>
+          </a:p>
+          <a:p>
+            <a:endParaRPr lang="en-US" altLang="ko-KR" dirty="0"/>
+          </a:p>
+          <a:p>
+            <a:r>
+              <a:rPr lang="ko-KR" altLang="en-US" sz="3600" dirty="0"/>
+              <a:t>능동적 플랫폼</a:t>
+            </a:r>
+            <a:endParaRPr lang="en-US" altLang="ko-KR" sz="3600" dirty="0"/>
+          </a:p>
+          <a:p>
+            <a:pPr marL="0" indent="0">
+              <a:buNone/>
+            </a:pPr>
+            <a:r>
+              <a:rPr lang="en-US" altLang="ko-KR" dirty="0"/>
+              <a:t> - </a:t>
+            </a:r>
+            <a:r>
+              <a:rPr lang="ko-KR" altLang="en-US" dirty="0"/>
+              <a:t>기존에 존재하는 정보를 분석해주는 것 뿐만 아니라</a:t>
+            </a:r>
+            <a:r>
+              <a:rPr lang="en-US" altLang="ko-KR" dirty="0"/>
+              <a:t>, </a:t>
+            </a:r>
+            <a:r>
+              <a:rPr lang="ko-KR" altLang="en-US" dirty="0"/>
+              <a:t>이렇게 분석된 데이터를 기반으로 새로운 통찰 및 연구 방향을 제시할 수 있다</a:t>
+            </a:r>
+            <a:r>
+              <a:rPr lang="en-US" altLang="ko-KR" dirty="0"/>
+              <a:t>.</a:t>
+            </a:r>
+          </a:p>
+          <a:p>
+            <a:endParaRPr lang="en-US" altLang="ko-KR" dirty="0"/>
+          </a:p>
+          <a:p>
+            <a:endParaRPr lang="ko-KR" altLang="en-US" dirty="0"/>
+          </a:p>
+        </p:txBody>
+      </p:sp>
+    </p:spTree>
+    <p:extLst>
+      <p:ext uri="{BB962C8B-B14F-4D97-AF65-F5344CB8AC3E}">
+        <p14:creationId xmlns:p14="http://schemas.microsoft.com/office/powerpoint/2010/main" val="2680292474"/>
+      </p:ext>
+    </p:extLst>
+  </p:cSld>
+  <p:clrMapOvr>
+    <a:masterClrMapping/>
+  </p:clrMapOvr>
+</p:sld>
+</file>
+
 <file path=ppt/slides/slide8.xml><?xml version="1.0" encoding="utf-8"?>
 <p:sld xmlns:a="http://schemas.openxmlformats.org/drawingml/2006/main" xmlns:r="http://schemas.openxmlformats.org/officeDocument/2006/relationships" xmlns:p="http://schemas.openxmlformats.org/presentationml/2006/main">
   <p:cSld>
@@ -8555,7 +8841,7 @@
           <p:cNvPr id="2" name="제목 1">
             <a:extLst>
               <a:ext uri="{FF2B5EF4-FFF2-40B4-BE49-F238E27FC236}">
-                <a16:creationId xmlns:a16="http://schemas.microsoft.com/office/drawing/2014/main" id="{6B96B88A-4270-28DF-8807-F2A0C05F0C5D}"/>
+                <a16:creationId xmlns:a16="http://schemas.microsoft.com/office/drawing/2014/main" id="{303CD6D9-BCFB-5EC2-FD20-0BA90D045D65}"/>
               </a:ext>
             </a:extLst>
           </p:cNvPr>
@@ -8573,7 +8859,7 @@
           <a:p>
             <a:r>
               <a:rPr lang="ko-KR" altLang="en-US" dirty="0"/>
-              <a:t>연구 방향성 제시</a:t>
+              <a:t>개발 과정에서의 문제점</a:t>
             </a:r>
           </a:p>
         </p:txBody>
@@ -8583,7 +8869,7 @@
           <p:cNvPr id="3" name="내용 개체 틀 2">
             <a:extLst>
               <a:ext uri="{FF2B5EF4-FFF2-40B4-BE49-F238E27FC236}">
-                <a16:creationId xmlns:a16="http://schemas.microsoft.com/office/drawing/2014/main" id="{E6EDB5EA-1448-5DF4-C865-7D867CA0CC2D}"/>
+                <a16:creationId xmlns:a16="http://schemas.microsoft.com/office/drawing/2014/main" id="{9B60E01D-071A-405D-D022-7E09568D0B05}"/>
               </a:ext>
             </a:extLst>
           </p:cNvPr>
@@ -8594,48 +8880,362 @@
             <p:ph idx="1"/>
           </p:nvPr>
         </p:nvSpPr>
-        <p:spPr/>
+        <p:spPr>
+          <a:xfrm>
+            <a:off x="838200" y="1825625"/>
+            <a:ext cx="11079480" cy="4351338"/>
+          </a:xfrm>
+        </p:spPr>
         <p:txBody>
           <a:bodyPr/>
           <a:lstStyle/>
           <a:p>
             <a:r>
+              <a:rPr lang="ko-KR" altLang="en-US" sz="3600" dirty="0"/>
+              <a:t>인사이트 제공 알고리즘 개발</a:t>
+            </a:r>
+            <a:endParaRPr lang="en-US" altLang="ko-KR" sz="3600" dirty="0"/>
+          </a:p>
+          <a:p>
+            <a:pPr>
+              <a:buFontTx/>
+              <a:buChar char="-"/>
+            </a:pPr>
+            <a:r>
               <a:rPr lang="ko-KR" altLang="en-US" dirty="0"/>
-              <a:t>해당 파트는 연구자의 결정 영역으로</a:t>
-            </a:r>
-            <a:r>
-              <a:rPr lang="en-US" altLang="ko-KR" dirty="0"/>
-              <a:t>, </a:t>
-            </a:r>
+              <a:t>참고할 수 있는 기존 오픈소스 알고리즘의 부재</a:t>
+            </a:r>
+            <a:endParaRPr lang="en-US" altLang="ko-KR" dirty="0"/>
+          </a:p>
+          <a:p>
+            <a:pPr marL="0" indent="0">
+              <a:buNone/>
+            </a:pPr>
+            <a:endParaRPr lang="en-US" altLang="ko-KR" dirty="0"/>
+          </a:p>
+          <a:p>
+            <a:r>
+              <a:rPr lang="ko-KR" altLang="en-US" sz="3600" dirty="0"/>
+              <a:t>현실적 문제점</a:t>
+            </a:r>
+            <a:endParaRPr lang="en-US" altLang="ko-KR" sz="3600" dirty="0"/>
+          </a:p>
+          <a:p>
+            <a:pPr>
+              <a:buFontTx/>
+              <a:buChar char="-"/>
+            </a:pPr>
             <a:r>
               <a:rPr lang="ko-KR" altLang="en-US" dirty="0"/>
-              <a:t>직접적이고 구체적인 연구 방향을 프로그램이 제시하는 것은 불가</a:t>
+              <a:t>연구자분들께 진정으로 도움이 될 만한 프로그램을 개발하여야 함</a:t>
             </a:r>
             <a:endParaRPr lang="en-US" altLang="ko-KR" dirty="0"/>
           </a:p>
           <a:p>
+            <a:pPr>
+              <a:buFontTx/>
+              <a:buChar char="-"/>
+            </a:pPr>
+            <a:r>
+              <a:rPr lang="ko-KR" altLang="en-US" dirty="0"/>
+              <a:t>연구자분들의 의견 및 조언을 최대한 많이 듣는 것이 중요함</a:t>
+            </a:r>
             <a:endParaRPr lang="en-US" altLang="ko-KR" dirty="0"/>
-          </a:p>
-          <a:p>
-            <a:r>
-              <a:rPr lang="ko-KR" altLang="en-US" dirty="0"/>
-              <a:t>연구자가 제시된 </a:t>
-            </a:r>
-            <a:r>
-              <a:rPr lang="en-US" altLang="ko-KR" dirty="0"/>
-              <a:t>GRN</a:t>
-            </a:r>
-            <a:r>
-              <a:rPr lang="ko-KR" altLang="en-US" dirty="0"/>
-              <a:t>을 분석하며 연구의 방향성을 잡도록 보조하는 데 목적을 둠</a:t>
-            </a:r>
           </a:p>
         </p:txBody>
       </p:sp>
     </p:spTree>
     <p:extLst>
       <p:ext uri="{BB962C8B-B14F-4D97-AF65-F5344CB8AC3E}">
-        <p14:creationId xmlns:p14="http://schemas.microsoft.com/office/powerpoint/2010/main" val="130712605"/>
+        <p14:creationId xmlns:p14="http://schemas.microsoft.com/office/powerpoint/2010/main" val="2241676056"/>
+      </p:ext>
+    </p:extLst>
+  </p:cSld>
+  <p:clrMapOvr>
+    <a:masterClrMapping/>
+  </p:clrMapOvr>
+</p:sld>
+</file>
+
+<file path=ppt/slides/slide9.xml><?xml version="1.0" encoding="utf-8"?>
+<p:sld xmlns:a="http://schemas.openxmlformats.org/drawingml/2006/main" xmlns:r="http://schemas.openxmlformats.org/officeDocument/2006/relationships" xmlns:p="http://schemas.openxmlformats.org/presentationml/2006/main">
+  <p:cSld>
+    <p:spTree>
+      <p:nvGrpSpPr>
+        <p:cNvPr id="1" name=""/>
+        <p:cNvGrpSpPr/>
+        <p:nvPr/>
+      </p:nvGrpSpPr>
+      <p:grpSpPr>
+        <a:xfrm>
+          <a:off x="0" y="0"/>
+          <a:ext cx="0" cy="0"/>
+          <a:chOff x="0" y="0"/>
+          <a:chExt cx="0" cy="0"/>
+        </a:xfrm>
+      </p:grpSpPr>
+      <p:sp>
+        <p:nvSpPr>
+          <p:cNvPr id="2" name="제목 1">
+            <a:extLst>
+              <a:ext uri="{FF2B5EF4-FFF2-40B4-BE49-F238E27FC236}">
+                <a16:creationId xmlns:a16="http://schemas.microsoft.com/office/drawing/2014/main" id="{A8FDF828-ECAA-6A60-A62C-93F7AAC65AD0}"/>
+              </a:ext>
+            </a:extLst>
+          </p:cNvPr>
+          <p:cNvSpPr>
+            <a:spLocks noGrp="1"/>
+          </p:cNvSpPr>
+          <p:nvPr>
+            <p:ph type="title"/>
+          </p:nvPr>
+        </p:nvSpPr>
+        <p:spPr/>
+        <p:txBody>
+          <a:bodyPr/>
+          <a:lstStyle/>
+          <a:p>
+            <a:r>
+              <a:rPr lang="ko-KR" altLang="en-US" dirty="0"/>
+              <a:t>개발 계획</a:t>
+            </a:r>
+            <a:r>
+              <a:rPr lang="en-US" altLang="ko-KR" dirty="0"/>
+              <a:t>(</a:t>
+            </a:r>
+            <a:r>
+              <a:rPr lang="ko-KR" altLang="en-US" dirty="0"/>
+              <a:t>마일스톤</a:t>
+            </a:r>
+            <a:r>
+              <a:rPr lang="en-US" altLang="ko-KR" dirty="0"/>
+              <a:t>)</a:t>
+            </a:r>
+            <a:endParaRPr lang="ko-KR" altLang="en-US" dirty="0"/>
+          </a:p>
+        </p:txBody>
+      </p:sp>
+      <p:sp>
+        <p:nvSpPr>
+          <p:cNvPr id="3" name="내용 개체 틀 2">
+            <a:extLst>
+              <a:ext uri="{FF2B5EF4-FFF2-40B4-BE49-F238E27FC236}">
+                <a16:creationId xmlns:a16="http://schemas.microsoft.com/office/drawing/2014/main" id="{48C6B173-0138-0846-5ED9-9A7519FCDBB3}"/>
+              </a:ext>
+            </a:extLst>
+          </p:cNvPr>
+          <p:cNvSpPr>
+            <a:spLocks noGrp="1"/>
+          </p:cNvSpPr>
+          <p:nvPr>
+            <p:ph idx="1"/>
+          </p:nvPr>
+        </p:nvSpPr>
+        <p:spPr>
+          <a:xfrm>
+            <a:off x="317500" y="1815465"/>
+            <a:ext cx="11557000" cy="4351338"/>
+          </a:xfrm>
+        </p:spPr>
+        <p:txBody>
+          <a:bodyPr>
+            <a:normAutofit fontScale="92500" lnSpcReduction="10000"/>
+          </a:bodyPr>
+          <a:lstStyle/>
+          <a:p>
+            <a:r>
+              <a:rPr lang="en-US" altLang="ko-KR" dirty="0">
+                <a:solidFill>
+                  <a:srgbClr val="FF0000"/>
+                </a:solidFill>
+              </a:rPr>
+              <a:t>1</a:t>
+            </a:r>
+            <a:r>
+              <a:rPr lang="ko-KR" altLang="en-US" dirty="0">
+                <a:solidFill>
+                  <a:srgbClr val="FF0000"/>
+                </a:solidFill>
+              </a:rPr>
+              <a:t>차 목표</a:t>
+            </a:r>
+            <a:r>
+              <a:rPr lang="en-US" altLang="ko-KR" dirty="0">
+                <a:solidFill>
+                  <a:srgbClr val="FF0000"/>
+                </a:solidFill>
+              </a:rPr>
+              <a:t>: GRN </a:t>
+            </a:r>
+            <a:r>
+              <a:rPr lang="ko-KR" altLang="en-US" dirty="0">
+                <a:solidFill>
+                  <a:srgbClr val="FF0000"/>
+                </a:solidFill>
+              </a:rPr>
+              <a:t>생성 알고리즘 개발</a:t>
+            </a:r>
+            <a:endParaRPr lang="en-US" altLang="ko-KR" dirty="0">
+              <a:solidFill>
+                <a:srgbClr val="FF0000"/>
+              </a:solidFill>
+            </a:endParaRPr>
+          </a:p>
+          <a:p>
+            <a:pPr>
+              <a:buFontTx/>
+              <a:buChar char="-"/>
+            </a:pPr>
+            <a:r>
+              <a:rPr lang="ko-KR" altLang="en-US" dirty="0">
+                <a:solidFill>
+                  <a:srgbClr val="FF0000"/>
+                </a:solidFill>
+              </a:rPr>
+              <a:t>기존의 알고리즘 및 오픈소스 소프트웨어도 존재함</a:t>
+            </a:r>
+            <a:endParaRPr lang="en-US" altLang="ko-KR" dirty="0">
+              <a:solidFill>
+                <a:srgbClr val="FF0000"/>
+              </a:solidFill>
+            </a:endParaRPr>
+          </a:p>
+          <a:p>
+            <a:pPr>
+              <a:buFontTx/>
+              <a:buChar char="-"/>
+            </a:pPr>
+            <a:r>
+              <a:rPr lang="ko-KR" altLang="en-US" dirty="0">
+                <a:solidFill>
+                  <a:srgbClr val="FF0000"/>
+                </a:solidFill>
+              </a:rPr>
+              <a:t>능동적인 연구 플랫폼이 되기 위해</a:t>
+            </a:r>
+            <a:r>
+              <a:rPr lang="en-US" altLang="ko-KR" dirty="0">
+                <a:solidFill>
+                  <a:srgbClr val="FF0000"/>
+                </a:solidFill>
+              </a:rPr>
+              <a:t>, </a:t>
+            </a:r>
+            <a:r>
+              <a:rPr lang="ko-KR" altLang="en-US" dirty="0">
+                <a:solidFill>
+                  <a:srgbClr val="FF0000"/>
+                </a:solidFill>
+              </a:rPr>
+              <a:t>여러 알고리즘의 기능을 융합하거나 수정해야 함</a:t>
+            </a:r>
+            <a:endParaRPr lang="en-US" altLang="ko-KR" dirty="0">
+              <a:solidFill>
+                <a:srgbClr val="FF0000"/>
+              </a:solidFill>
+            </a:endParaRPr>
+          </a:p>
+          <a:p>
+            <a:pPr marL="0" indent="0">
+              <a:buNone/>
+            </a:pPr>
+            <a:endParaRPr lang="en-US" altLang="ko-KR" dirty="0">
+              <a:solidFill>
+                <a:srgbClr val="FF0000"/>
+              </a:solidFill>
+            </a:endParaRPr>
+          </a:p>
+          <a:p>
+            <a:r>
+              <a:rPr lang="en-US" altLang="ko-KR" dirty="0">
+                <a:solidFill>
+                  <a:srgbClr val="FF0000"/>
+                </a:solidFill>
+              </a:rPr>
+              <a:t>2</a:t>
+            </a:r>
+            <a:r>
+              <a:rPr lang="ko-KR" altLang="en-US" dirty="0">
+                <a:solidFill>
+                  <a:srgbClr val="FF0000"/>
+                </a:solidFill>
+              </a:rPr>
+              <a:t>차 목표</a:t>
+            </a:r>
+            <a:r>
+              <a:rPr lang="en-US" altLang="ko-KR" dirty="0">
+                <a:solidFill>
+                  <a:srgbClr val="FF0000"/>
+                </a:solidFill>
+              </a:rPr>
+              <a:t>: GRN</a:t>
+            </a:r>
+            <a:r>
+              <a:rPr lang="ko-KR" altLang="en-US" dirty="0">
+                <a:solidFill>
+                  <a:srgbClr val="FF0000"/>
+                </a:solidFill>
+              </a:rPr>
+              <a:t> 분석 알고리즘 개발</a:t>
+            </a:r>
+            <a:endParaRPr lang="en-US" altLang="ko-KR" dirty="0">
+              <a:solidFill>
+                <a:srgbClr val="FF0000"/>
+              </a:solidFill>
+            </a:endParaRPr>
+          </a:p>
+          <a:p>
+            <a:endParaRPr lang="en-US" altLang="ko-KR" dirty="0"/>
+          </a:p>
+          <a:p>
+            <a:r>
+              <a:rPr lang="en-US" altLang="ko-KR" dirty="0"/>
+              <a:t>3</a:t>
+            </a:r>
+            <a:r>
+              <a:rPr lang="ko-KR" altLang="en-US" dirty="0"/>
+              <a:t>차 목표</a:t>
+            </a:r>
+            <a:r>
+              <a:rPr lang="en-US" altLang="ko-KR" dirty="0"/>
+              <a:t>: </a:t>
+            </a:r>
+            <a:r>
+              <a:rPr lang="ko-KR" altLang="en-US" dirty="0"/>
+              <a:t>사용자 친화적 </a:t>
+            </a:r>
+            <a:r>
+              <a:rPr lang="en-US" altLang="ko-KR" dirty="0"/>
+              <a:t>UI</a:t>
+            </a:r>
+          </a:p>
+          <a:p>
+            <a:endParaRPr lang="en-US" altLang="ko-KR" dirty="0"/>
+          </a:p>
+          <a:p>
+            <a:r>
+              <a:rPr lang="en-US" altLang="ko-KR" dirty="0"/>
+              <a:t>4</a:t>
+            </a:r>
+            <a:r>
+              <a:rPr lang="ko-KR" altLang="en-US" dirty="0"/>
+              <a:t>차 목표</a:t>
+            </a:r>
+            <a:r>
+              <a:rPr lang="en-US" altLang="ko-KR" dirty="0"/>
+              <a:t>: </a:t>
+            </a:r>
+            <a:r>
+              <a:rPr lang="ko-KR" altLang="en-US" dirty="0"/>
+              <a:t>외부 실험 데이터 수용 및 능동적 데이터 분석 툴 조작 기능 탑재</a:t>
+            </a:r>
+          </a:p>
+        </p:txBody>
+      </p:sp>
+    </p:spTree>
+    <p:extLst>
+      <p:ext uri="{BB962C8B-B14F-4D97-AF65-F5344CB8AC3E}">
+        <p14:creationId xmlns:p14="http://schemas.microsoft.com/office/powerpoint/2010/main" val="2255288834"/>
       </p:ext>
     </p:extLst>
   </p:cSld>
